--- a/Presentations/ThirdPresentation/ThirdPresentation.pptx
+++ b/Presentations/ThirdPresentation/ThirdPresentation.pptx
@@ -229,7 +229,7 @@
           <a:p>
             <a:fld id="{3D100699-F170-47EF-8601-8ACFF448602A}" type="datetimeFigureOut">
               <a:rPr lang="de-DE" smtClean="0"/>
-              <a:t>10.12.2018</a:t>
+              <a:t>11.12.2018</a:t>
             </a:fld>
             <a:endParaRPr lang="de-DE"/>
           </a:p>
